--- a/S320067021高云帆.pptx
+++ b/S320067021高云帆.pptx
@@ -4693,6 +4693,68 @@
           </a:p>
         </p:txBody>
       </p:sp>
+      <p:sp>
+        <p:nvSpPr>
+          <p:cNvPr id="5" name="TextBox 6"/>
+          <p:cNvSpPr txBox="1"/>
+          <p:nvPr/>
+        </p:nvSpPr>
+        <p:spPr>
+          <a:xfrm>
+            <a:off x="5069023" y="5411061"/>
+            <a:ext cx="2047875" cy="397510"/>
+          </a:xfrm>
+          <a:prstGeom prst="rect">
+            <a:avLst/>
+          </a:prstGeom>
+          <a:noFill/>
+        </p:spPr>
+        <p:txBody>
+          <a:bodyPr wrap="none" lIns="91416" tIns="45708" rIns="91416" bIns="45708" rtlCol="0">
+            <a:spAutoFit/>
+          </a:bodyPr>
+          <a:lstStyle>
+            <a:defPPr>
+              <a:defRPr lang="zh-CN"/>
+            </a:defPPr>
+            <a:lvl1pPr>
+              <a:defRPr sz="2000">
+                <a:solidFill>
+                  <a:schemeClr val="accent2"/>
+                </a:solidFill>
+                <a:latin typeface="+mn-ea"/>
+                <a:ea typeface="+mn-ea"/>
+              </a:defRPr>
+            </a:lvl1pPr>
+          </a:lstStyle>
+          <a:p>
+            <a:pPr algn="ctr"/>
+            <a:r>
+              <a:rPr lang="en-US" altLang="zh-CN" b="1" dirty="0">
+                <a:solidFill>
+                  <a:schemeClr val="tx1">
+                    <a:lumMod val="65000"/>
+                    <a:lumOff val="35000"/>
+                  </a:schemeClr>
+                </a:solidFill>
+                <a:latin typeface="微软雅黑" panose="020B0503020204020204" pitchFamily="34" charset="-122"/>
+                <a:ea typeface="微软雅黑" panose="020B0503020204020204" pitchFamily="34" charset="-122"/>
+              </a:rPr>
+              <a:t>CIDR        2020</a:t>
+            </a:r>
+            <a:endParaRPr lang="en-US" altLang="zh-CN" b="1" dirty="0">
+              <a:solidFill>
+                <a:schemeClr val="tx1">
+                  <a:lumMod val="65000"/>
+                  <a:lumOff val="35000"/>
+                </a:schemeClr>
+              </a:solidFill>
+              <a:latin typeface="微软雅黑" panose="020B0503020204020204" pitchFamily="34" charset="-122"/>
+              <a:ea typeface="微软雅黑" panose="020B0503020204020204" pitchFamily="34" charset="-122"/>
+            </a:endParaRPr>
+          </a:p>
+        </p:txBody>
+      </p:sp>
     </p:spTree>
   </p:cSld>
   <p:clrMapOvr>
@@ -4908,7 +4970,6 @@
             <a:pPr algn="ctr"/>
             <a:r>
               <a:rPr lang="en-US" altLang="zh-CN" sz="1600" b="1" dirty="0">
-                <a:ln/>
                 <a:solidFill>
                   <a:schemeClr val="accent1"/>
                 </a:solidFill>
@@ -4927,7 +4988,6 @@
             </a:r>
             <a:r>
               <a:rPr lang="zh-CN" altLang="en-US" sz="1600" b="1" dirty="0">
-                <a:ln/>
                 <a:solidFill>
                   <a:schemeClr val="accent1"/>
                 </a:solidFill>
@@ -4945,7 +5005,6 @@
               <a:t>的设计</a:t>
             </a:r>
             <a:endParaRPr lang="zh-CN" altLang="en-US" sz="1600" b="1" dirty="0">
-              <a:ln/>
               <a:solidFill>
                 <a:schemeClr val="accent1"/>
               </a:solidFill>
@@ -5168,7 +5227,6 @@
             </a:r>
             <a:r>
               <a:rPr lang="zh-CN" altLang="en-US" sz="1865" dirty="0">
-                <a:ln/>
                 <a:solidFill>
                   <a:schemeClr val="accent1"/>
                 </a:solidFill>
@@ -5199,7 +5257,6 @@
             </a:r>
             <a:r>
               <a:rPr lang="zh-CN" altLang="en-US" sz="1865" dirty="0">
-                <a:ln/>
                 <a:solidFill>
                   <a:schemeClr val="accent1"/>
                 </a:solidFill>
@@ -5217,7 +5274,6 @@
             </a:r>
             <a:r>
               <a:rPr lang="en-US" altLang="zh-CN" sz="1865" dirty="0">
-                <a:ln/>
                 <a:solidFill>
                   <a:schemeClr val="accent1"/>
                 </a:solidFill>
@@ -5274,7 +5330,6 @@
             </a:r>
             <a:r>
               <a:rPr lang="en-US" altLang="zh-CN" sz="1865" dirty="0">
-                <a:ln/>
                 <a:solidFill>
                   <a:schemeClr val="accent1"/>
                 </a:solidFill>
@@ -5318,7 +5373,6 @@
             </a:r>
             <a:r>
               <a:rPr lang="en-US" altLang="zh-CN" sz="1865" dirty="0">
-                <a:ln/>
                 <a:solidFill>
                   <a:schemeClr val="accent1"/>
                 </a:solidFill>
@@ -5408,7 +5462,6 @@
             </a:r>
             <a:r>
               <a:rPr lang="en-US" altLang="zh-CN" sz="1865" dirty="0">
-                <a:ln/>
                 <a:solidFill>
                   <a:schemeClr val="accent1"/>
                 </a:solidFill>
